--- a/P_v1.pptx
+++ b/P_v1.pptx
@@ -116,7 +116,7 @@
   </p:defaultTextStyle>
   <p:extLst>
     <p:ext uri="{EFAFB233-063F-42B5-8137-9DF3F51BA10A}">
-      <p15:sldGuideLst xmlns="" xmlns:p15="http://schemas.microsoft.com/office/powerpoint/2012/main">
+      <p15:sldGuideLst xmlns:p15="http://schemas.microsoft.com/office/powerpoint/2012/main" xmlns="">
         <p15:guide id="1" orient="horz" pos="2160">
           <p15:clr>
             <a:srgbClr val="A4A3A4"/>
@@ -138,7 +138,7 @@
   <p:cmAuthor id="1" name="Субботина Людмила Вячеславовна" initials="СЛВ" lastIdx="1" clrIdx="0">
     <p:extLst>
       <p:ext uri="{19B8F6BF-5375-455C-9EA6-DF929625EA0E}">
-        <p15:presenceInfo xmlns="" xmlns:p15="http://schemas.microsoft.com/office/powerpoint/2012/main" userId="S-1-5-21-3813517234-2464849285-3856815962-29240" providerId="AD"/>
+        <p15:presenceInfo xmlns:p15="http://schemas.microsoft.com/office/powerpoint/2012/main" xmlns="" userId="S-1-5-21-3813517234-2464849285-3856815962-29240" providerId="AD"/>
       </p:ext>
     </p:extLst>
   </p:cmAuthor>
@@ -397,7 +397,7 @@
     </p:spTree>
     <p:extLst>
       <p:ext uri="{BB962C8B-B14F-4D97-AF65-F5344CB8AC3E}">
-        <p14:creationId xmlns="" xmlns:p14="http://schemas.microsoft.com/office/powerpoint/2010/main" val="1165632222"/>
+        <p14:creationId xmlns:p14="http://schemas.microsoft.com/office/powerpoint/2010/main" xmlns="" val="1165632222"/>
       </p:ext>
     </p:extLst>
   </p:cSld>
@@ -572,7 +572,7 @@
     </p:spTree>
     <p:extLst>
       <p:ext uri="{BB962C8B-B14F-4D97-AF65-F5344CB8AC3E}">
-        <p14:creationId xmlns="" xmlns:p14="http://schemas.microsoft.com/office/powerpoint/2010/main" val="1955021361"/>
+        <p14:creationId xmlns:p14="http://schemas.microsoft.com/office/powerpoint/2010/main" xmlns="" val="1955021361"/>
       </p:ext>
     </p:extLst>
   </p:cSld>
@@ -5057,7 +5057,7 @@
           <a:blip r:embed="rId2">
             <a:extLst>
               <a:ext uri="{28A0092B-C50C-407E-A947-70E740481C1C}">
-                <a14:useLocalDpi xmlns="" xmlns:a14="http://schemas.microsoft.com/office/drawing/2010/main" val="0"/>
+                <a14:useLocalDpi xmlns:a14="http://schemas.microsoft.com/office/drawing/2010/main" xmlns="" val="0"/>
               </a:ext>
             </a:extLst>
           </a:blip>
@@ -5661,7 +5661,7 @@
     </p:spTree>
     <p:extLst>
       <p:ext uri="{BB962C8B-B14F-4D97-AF65-F5344CB8AC3E}">
-        <p14:creationId xmlns="" xmlns:p14="http://schemas.microsoft.com/office/powerpoint/2010/main" val="1835539454"/>
+        <p14:creationId xmlns:p14="http://schemas.microsoft.com/office/powerpoint/2010/main" xmlns="" val="1835539454"/>
       </p:ext>
     </p:extLst>
   </p:cSld>
@@ -5752,7 +5752,7 @@
     </p:spTree>
     <p:extLst>
       <p:ext uri="{BB962C8B-B14F-4D97-AF65-F5344CB8AC3E}">
-        <p14:creationId xmlns="" xmlns:p14="http://schemas.microsoft.com/office/powerpoint/2010/main" val="528404848"/>
+        <p14:creationId xmlns:p14="http://schemas.microsoft.com/office/powerpoint/2010/main" xmlns="" val="528404848"/>
       </p:ext>
     </p:extLst>
   </p:cSld>
@@ -6208,7 +6208,27 @@
                   </a:schemeClr>
                 </a:solidFill>
               </a:rPr>
-              <a:t>Передача в сеть изменение оценки, после предыдущего действия</a:t>
+              <a:t>Передача в сеть </a:t>
+            </a:r>
+            <a:r>
+              <a:rPr lang="ru-RU" sz="2600" smtClean="0">
+                <a:solidFill>
+                  <a:schemeClr val="bg2">
+                    <a:lumMod val="25000"/>
+                  </a:schemeClr>
+                </a:solidFill>
+              </a:rPr>
+              <a:t>изменения оценки после </a:t>
+            </a:r>
+            <a:r>
+              <a:rPr lang="ru-RU" sz="2600" dirty="0" smtClean="0">
+                <a:solidFill>
+                  <a:schemeClr val="bg2">
+                    <a:lumMod val="25000"/>
+                  </a:schemeClr>
+                </a:solidFill>
+              </a:rPr>
+              <a:t>предыдущего действия</a:t>
             </a:r>
           </a:p>
           <a:p>
@@ -6292,7 +6312,7 @@
           <a:blip r:embed="rId2">
             <a:extLst>
               <a:ext uri="{28A0092B-C50C-407E-A947-70E740481C1C}">
-                <a14:useLocalDpi xmlns="" xmlns:a14="http://schemas.microsoft.com/office/drawing/2010/main" val="0"/>
+                <a14:useLocalDpi xmlns:a14="http://schemas.microsoft.com/office/drawing/2010/main" xmlns="" val="0"/>
               </a:ext>
             </a:extLst>
           </a:blip>
@@ -6626,11 +6646,7 @@
           <a:p>
             <a:r>
               <a:rPr lang="en-US" sz="2000" dirty="0" smtClean="0"/>
-              <a:t>https</a:t>
-            </a:r>
-            <a:r>
-              <a:rPr lang="en-US" sz="2000" dirty="0" smtClean="0"/>
-              <a:t>://github.com/stepanburmistrov/pi_school2022</a:t>
+              <a:t>https://github.com/stepanburmistrov/pi_school2022</a:t>
             </a:r>
             <a:endParaRPr lang="ru-RU" sz="2000" dirty="0" smtClean="0"/>
           </a:p>
@@ -7284,7 +7300,7 @@
   <a:extraClrSchemeLst/>
   <a:extLst>
     <a:ext uri="{05A4C25C-085E-4340-85A3-A5531E510DB2}">
-      <thm15:themeFamily xmlns="" xmlns:thm15="http://schemas.microsoft.com/office/thememl/2012/main" name="Office Theme" id="{62F939B6-93AF-4DB8-9C6B-D6C7DFDC589F}" vid="{4A3C46E8-61CC-4603-A589-7422A47A8E4A}"/>
+      <thm15:themeFamily xmlns:thm15="http://schemas.microsoft.com/office/thememl/2012/main" xmlns="" name="Office Theme" id="{62F939B6-93AF-4DB8-9C6B-D6C7DFDC589F}" vid="{4A3C46E8-61CC-4603-A589-7422A47A8E4A}"/>
     </a:ext>
   </a:extLst>
 </a:theme>
